--- a/PRESENTAZIONE BIG DATA.pptx
+++ b/PRESENTAZIONE BIG DATA.pptx
@@ -12473,7 +12473,7 @@
         </p:blipFill>
         <p:spPr>
           <a:xfrm>
-            <a:off x="1602300" y="1162825"/>
+            <a:off x="5490225" y="1162825"/>
             <a:ext cx="3439301" cy="914100"/>
           </a:xfrm>
           <a:prstGeom prst="rect">
@@ -12501,7 +12501,7 @@
         </p:blipFill>
         <p:spPr>
           <a:xfrm>
-            <a:off x="1602300" y="2143361"/>
+            <a:off x="5490225" y="2143361"/>
             <a:ext cx="3439300" cy="931239"/>
           </a:xfrm>
           <a:prstGeom prst="rect">
@@ -12529,7 +12529,7 @@
         </p:blipFill>
         <p:spPr>
           <a:xfrm>
-            <a:off x="1602300" y="3141025"/>
+            <a:off x="5490225" y="3141025"/>
             <a:ext cx="3439300" cy="908385"/>
           </a:xfrm>
           <a:prstGeom prst="rect">
@@ -12557,7 +12557,7 @@
         </p:blipFill>
         <p:spPr>
           <a:xfrm>
-            <a:off x="1602300" y="4115825"/>
+            <a:off x="5490225" y="4115825"/>
             <a:ext cx="3439300" cy="914100"/>
           </a:xfrm>
           <a:prstGeom prst="rect">
@@ -12585,7 +12585,7 @@
         </p:blipFill>
         <p:spPr>
           <a:xfrm>
-            <a:off x="5175675" y="1154250"/>
+            <a:off x="1449900" y="1162825"/>
             <a:ext cx="3439300" cy="931250"/>
           </a:xfrm>
           <a:prstGeom prst="rect">
@@ -12613,7 +12613,7 @@
         </p:blipFill>
         <p:spPr>
           <a:xfrm>
-            <a:off x="5175675" y="2151925"/>
+            <a:off x="1449900" y="2160500"/>
             <a:ext cx="3439300" cy="914100"/>
           </a:xfrm>
           <a:prstGeom prst="rect">
@@ -12641,7 +12641,7 @@
         </p:blipFill>
         <p:spPr>
           <a:xfrm>
-            <a:off x="5175675" y="4112963"/>
+            <a:off x="1449900" y="4121538"/>
             <a:ext cx="3439300" cy="914100"/>
           </a:xfrm>
           <a:prstGeom prst="rect">
@@ -12669,7 +12669,7 @@
         </p:blipFill>
         <p:spPr>
           <a:xfrm>
-            <a:off x="5175675" y="3132450"/>
+            <a:off x="1449900" y="3141025"/>
             <a:ext cx="3439300" cy="914110"/>
           </a:xfrm>
           <a:prstGeom prst="rect">
@@ -12689,8 +12689,8 @@
         </p:nvSpPr>
         <p:spPr>
           <a:xfrm>
-            <a:off x="8641025" y="1162825"/>
-            <a:ext cx="429300" cy="3788400"/>
+            <a:off x="886800" y="2475000"/>
+            <a:ext cx="410700" cy="1451100"/>
           </a:xfrm>
           <a:prstGeom prst="upArrow">
             <a:avLst>
@@ -12727,8 +12727,7 @@
               <a:buNone/>
             </a:pPr>
             <a:r>
-              <a:rPr lang="it"/>
-              <a:t>1</a:t>
+              <a:t/>
             </a:r>
             <a:endParaRPr/>
           </a:p>
@@ -12742,8 +12741,8 @@
         </p:nvSpPr>
         <p:spPr>
           <a:xfrm>
-            <a:off x="1115875" y="1162825"/>
-            <a:ext cx="429300" cy="3788400"/>
+            <a:off x="4984363" y="2475000"/>
+            <a:ext cx="410700" cy="1451100"/>
           </a:xfrm>
           <a:prstGeom prst="upArrow">
             <a:avLst>
@@ -12780,8 +12779,7 @@
               <a:buNone/>
             </a:pPr>
             <a:r>
-              <a:rPr lang="it"/>
-              <a:t>2</a:t>
+              <a:t/>
             </a:r>
             <a:endParaRPr/>
           </a:p>
@@ -12886,7 +12884,7 @@
             </a:pPr>
             <a:r>
               <a:rPr lang="it"/>
-              <a:t>I risultati dei classificatori sono buoni e avendo effettuato 2 tipi diversi di analisi possiamo ottenere informazioni su app in 2 momenti diversi del suo ciclo di vita su uno smartphone: prima che venga eseguita e a seguito dell’esecuzione. </a:t>
+              <a:t>I risultati dei classificatori sono buoni e avendo effettuato 2 tipi diversi di analisi possiamo ottenere informazioni su un’app in 2 momenti diversi del suo ciclo di vita in uno smartphone: prima che venga eseguita e a seguito dell’esecuzione. </a:t>
             </a:r>
             <a:endParaRPr/>
           </a:p>
@@ -13114,7 +13112,7 @@
             </a:pPr>
             <a:r>
               <a:rPr lang="it" sz="1600"/>
-              <a:t>Per il futuro potremmo cercare di mettere in relazione l’analisi dei 2 database.</a:t>
+              <a:t>Per il futuro potremmo cercare di mettere in relazione l’analisi dei 2 dataset.</a:t>
             </a:r>
             <a:endParaRPr sz="1600"/>
           </a:p>
@@ -15282,7 +15280,7 @@
             </a:pPr>
             <a:r>
               <a:rPr lang="it" sz="1500"/>
-              <a:t>Standardizzazione</a:t>
+              <a:t>Normalizzazione</a:t>
             </a:r>
             <a:endParaRPr/>
           </a:p>
@@ -15313,7 +15311,7 @@
             </a:pPr>
             <a:r>
               <a:rPr lang="it"/>
-              <a:t>Abbiamo standardizzato i valori attraverso l’algoritmo “StandardScaler”, che ha trasformato i valori in modo da ottenere media uguale a 0 e varianza pari a 1</a:t>
+              <a:t>Abbiamo normalizzato i valori attraverso l’algoritmo “StandardScaler”, che ha trasformato i valori in modo da ottenere media uguale a 0 e varianza pari a 1</a:t>
             </a:r>
             <a:endParaRPr/>
           </a:p>
